--- a/设计模式-分享.pptx
+++ b/设计模式-分享.pptx
@@ -232,7 +232,7 @@
           <a:p>
             <a:fld id="{75A1357E-C1A0-5D4B-84E7-FB7E5A986A14}" type="datetimeFigureOut">
               <a:rPr kumimoji="1" lang="zh-CN" altLang="en-US" smtClean="0"/>
-              <a:t>2021/9/23</a:t>
+              <a:t>2021/9/28</a:t>
             </a:fld>
             <a:endParaRPr kumimoji="1" lang="zh-CN" altLang="en-US"/>
           </a:p>
@@ -667,6 +667,90 @@
 </p:notes>
 </file>
 
+<file path=ppt/notesSlides/notesSlide3.xml><?xml version="1.0" encoding="utf-8"?>
+<p:notes xmlns:a="http://schemas.openxmlformats.org/drawingml/2006/main" xmlns:r="http://schemas.openxmlformats.org/officeDocument/2006/relationships" xmlns:p="http://schemas.openxmlformats.org/presentationml/2006/main">
+  <p:cSld>
+    <p:spTree>
+      <p:nvGrpSpPr>
+        <p:cNvPr id="1" name=""/>
+        <p:cNvGrpSpPr/>
+        <p:nvPr/>
+      </p:nvGrpSpPr>
+      <p:grpSpPr>
+        <a:xfrm>
+          <a:off x="0" y="0"/>
+          <a:ext cx="0" cy="0"/>
+          <a:chOff x="0" y="0"/>
+          <a:chExt cx="0" cy="0"/>
+        </a:xfrm>
+      </p:grpSpPr>
+      <p:sp>
+        <p:nvSpPr>
+          <p:cNvPr id="2" name="幻灯片图像占位符 1"/>
+          <p:cNvSpPr>
+            <a:spLocks noGrp="1" noRot="1" noChangeAspect="1"/>
+          </p:cNvSpPr>
+          <p:nvPr>
+            <p:ph type="sldImg"/>
+          </p:nvPr>
+        </p:nvSpPr>
+        <p:spPr/>
+      </p:sp>
+      <p:sp>
+        <p:nvSpPr>
+          <p:cNvPr id="3" name="备注占位符 2"/>
+          <p:cNvSpPr>
+            <a:spLocks noGrp="1"/>
+          </p:cNvSpPr>
+          <p:nvPr>
+            <p:ph type="body" idx="1"/>
+          </p:nvPr>
+        </p:nvSpPr>
+        <p:spPr/>
+        <p:txBody>
+          <a:bodyPr/>
+          <a:lstStyle/>
+          <a:p>
+            <a:endParaRPr kumimoji="1" lang="zh-CN" altLang="en-US"/>
+          </a:p>
+        </p:txBody>
+      </p:sp>
+      <p:sp>
+        <p:nvSpPr>
+          <p:cNvPr id="4" name="灯片编号占位符 3"/>
+          <p:cNvSpPr>
+            <a:spLocks noGrp="1"/>
+          </p:cNvSpPr>
+          <p:nvPr>
+            <p:ph type="sldNum" sz="quarter" idx="5"/>
+          </p:nvPr>
+        </p:nvSpPr>
+        <p:spPr/>
+        <p:txBody>
+          <a:bodyPr/>
+          <a:lstStyle/>
+          <a:p>
+            <a:fld id="{E6C84AA1-FF13-3F46-A64B-E954A0A34476}" type="slidenum">
+              <a:rPr kumimoji="1" lang="zh-CN" altLang="en-US" smtClean="0"/>
+              <a:t>16</a:t>
+            </a:fld>
+            <a:endParaRPr kumimoji="1" lang="zh-CN" altLang="en-US"/>
+          </a:p>
+        </p:txBody>
+      </p:sp>
+    </p:spTree>
+    <p:extLst>
+      <p:ext uri="{BB962C8B-B14F-4D97-AF65-F5344CB8AC3E}">
+        <p14:creationId xmlns:p14="http://schemas.microsoft.com/office/powerpoint/2010/main" val="3100205186"/>
+      </p:ext>
+    </p:extLst>
+  </p:cSld>
+  <p:clrMapOvr>
+    <a:masterClrMapping/>
+  </p:clrMapOvr>
+</p:notes>
+</file>
+
 <file path=ppt/slideLayouts/slideLayout1.xml><?xml version="1.0" encoding="utf-8"?>
 <p:sldLayout xmlns:a="http://schemas.openxmlformats.org/drawingml/2006/main" xmlns:r="http://schemas.openxmlformats.org/officeDocument/2006/relationships" xmlns:p="http://schemas.openxmlformats.org/presentationml/2006/main" type="title" preserve="1">
   <p:cSld name="标题幻灯片">
@@ -798,7 +882,7 @@
           <a:p>
             <a:fld id="{D9C519DB-4507-8748-AEEF-BE7CF0F66C1C}" type="datetimeFigureOut">
               <a:rPr kumimoji="1" lang="zh-CN" altLang="en-US" smtClean="0"/>
-              <a:t>2021/9/23</a:t>
+              <a:t>2021/9/28</a:t>
             </a:fld>
             <a:endParaRPr kumimoji="1" lang="zh-CN" altLang="en-US"/>
           </a:p>
@@ -968,7 +1052,7 @@
           <a:p>
             <a:fld id="{D9C519DB-4507-8748-AEEF-BE7CF0F66C1C}" type="datetimeFigureOut">
               <a:rPr kumimoji="1" lang="zh-CN" altLang="en-US" smtClean="0"/>
-              <a:t>2021/9/23</a:t>
+              <a:t>2021/9/28</a:t>
             </a:fld>
             <a:endParaRPr kumimoji="1" lang="zh-CN" altLang="en-US"/>
           </a:p>
@@ -1148,7 +1232,7 @@
           <a:p>
             <a:fld id="{D9C519DB-4507-8748-AEEF-BE7CF0F66C1C}" type="datetimeFigureOut">
               <a:rPr kumimoji="1" lang="zh-CN" altLang="en-US" smtClean="0"/>
-              <a:t>2021/9/23</a:t>
+              <a:t>2021/9/28</a:t>
             </a:fld>
             <a:endParaRPr kumimoji="1" lang="zh-CN" altLang="en-US"/>
           </a:p>
@@ -1318,7 +1402,7 @@
           <a:p>
             <a:fld id="{D9C519DB-4507-8748-AEEF-BE7CF0F66C1C}" type="datetimeFigureOut">
               <a:rPr kumimoji="1" lang="zh-CN" altLang="en-US" smtClean="0"/>
-              <a:t>2021/9/23</a:t>
+              <a:t>2021/9/28</a:t>
             </a:fld>
             <a:endParaRPr kumimoji="1" lang="zh-CN" altLang="en-US"/>
           </a:p>
@@ -1564,7 +1648,7 @@
           <a:p>
             <a:fld id="{D9C519DB-4507-8748-AEEF-BE7CF0F66C1C}" type="datetimeFigureOut">
               <a:rPr kumimoji="1" lang="zh-CN" altLang="en-US" smtClean="0"/>
-              <a:t>2021/9/23</a:t>
+              <a:t>2021/9/28</a:t>
             </a:fld>
             <a:endParaRPr kumimoji="1" lang="zh-CN" altLang="en-US"/>
           </a:p>
@@ -1796,7 +1880,7 @@
           <a:p>
             <a:fld id="{D9C519DB-4507-8748-AEEF-BE7CF0F66C1C}" type="datetimeFigureOut">
               <a:rPr kumimoji="1" lang="zh-CN" altLang="en-US" smtClean="0"/>
-              <a:t>2021/9/23</a:t>
+              <a:t>2021/9/28</a:t>
             </a:fld>
             <a:endParaRPr kumimoji="1" lang="zh-CN" altLang="en-US"/>
           </a:p>
@@ -2163,7 +2247,7 @@
           <a:p>
             <a:fld id="{D9C519DB-4507-8748-AEEF-BE7CF0F66C1C}" type="datetimeFigureOut">
               <a:rPr kumimoji="1" lang="zh-CN" altLang="en-US" smtClean="0"/>
-              <a:t>2021/9/23</a:t>
+              <a:t>2021/9/28</a:t>
             </a:fld>
             <a:endParaRPr kumimoji="1" lang="zh-CN" altLang="en-US"/>
           </a:p>
@@ -2281,7 +2365,7 @@
           <a:p>
             <a:fld id="{D9C519DB-4507-8748-AEEF-BE7CF0F66C1C}" type="datetimeFigureOut">
               <a:rPr kumimoji="1" lang="zh-CN" altLang="en-US" smtClean="0"/>
-              <a:t>2021/9/23</a:t>
+              <a:t>2021/9/28</a:t>
             </a:fld>
             <a:endParaRPr kumimoji="1" lang="zh-CN" altLang="en-US"/>
           </a:p>
@@ -2376,7 +2460,7 @@
           <a:p>
             <a:fld id="{D9C519DB-4507-8748-AEEF-BE7CF0F66C1C}" type="datetimeFigureOut">
               <a:rPr kumimoji="1" lang="zh-CN" altLang="en-US" smtClean="0"/>
-              <a:t>2021/9/23</a:t>
+              <a:t>2021/9/28</a:t>
             </a:fld>
             <a:endParaRPr kumimoji="1" lang="zh-CN" altLang="en-US"/>
           </a:p>
@@ -2653,7 +2737,7 @@
           <a:p>
             <a:fld id="{D9C519DB-4507-8748-AEEF-BE7CF0F66C1C}" type="datetimeFigureOut">
               <a:rPr kumimoji="1" lang="zh-CN" altLang="en-US" smtClean="0"/>
-              <a:t>2021/9/23</a:t>
+              <a:t>2021/9/28</a:t>
             </a:fld>
             <a:endParaRPr kumimoji="1" lang="zh-CN" altLang="en-US"/>
           </a:p>
@@ -2910,7 +2994,7 @@
           <a:p>
             <a:fld id="{D9C519DB-4507-8748-AEEF-BE7CF0F66C1C}" type="datetimeFigureOut">
               <a:rPr kumimoji="1" lang="zh-CN" altLang="en-US" smtClean="0"/>
-              <a:t>2021/9/23</a:t>
+              <a:t>2021/9/28</a:t>
             </a:fld>
             <a:endParaRPr kumimoji="1" lang="zh-CN" altLang="en-US"/>
           </a:p>
@@ -3126,7 +3210,7 @@
           <a:p>
             <a:fld id="{D9C519DB-4507-8748-AEEF-BE7CF0F66C1C}" type="datetimeFigureOut">
               <a:rPr kumimoji="1" lang="zh-CN" altLang="en-US" smtClean="0"/>
-              <a:t>2021/9/23</a:t>
+              <a:t>2021/9/28</a:t>
             </a:fld>
             <a:endParaRPr kumimoji="1" lang="zh-CN" altLang="en-US"/>
           </a:p>
@@ -5134,7 +5218,7 @@
         <p:spPr>
           <a:xfrm>
             <a:off x="1382752" y="4851752"/>
-            <a:ext cx="8444941" cy="369332"/>
+            <a:ext cx="10277750" cy="646331"/>
           </a:xfrm>
           <a:prstGeom prst="rect">
             <a:avLst/>
@@ -5171,11 +5255,125 @@
               </a:rPr>
               <a:t>、墙上的开关，可以看到的开关是抽象的，不用管里面具体怎么实现的。</a:t>
             </a:r>
-            <a:endParaRPr kumimoji="1" lang="zh-CN" altLang="en-US" dirty="0">
+            <a:endParaRPr lang="en-US" altLang="zh-CN" dirty="0">
               <a:solidFill>
                 <a:srgbClr val="51C44E"/>
               </a:solidFill>
             </a:endParaRPr>
+          </a:p>
+          <a:p>
+            <a:r>
+              <a:rPr kumimoji="1" lang="en-US" altLang="zh-CN" dirty="0">
+                <a:solidFill>
+                  <a:srgbClr val="C00000"/>
+                </a:solidFill>
+              </a:rPr>
+              <a:t>Java</a:t>
+            </a:r>
+            <a:r>
+              <a:rPr kumimoji="1" lang="zh-CN" altLang="en-US" dirty="0">
+                <a:solidFill>
+                  <a:srgbClr val="C00000"/>
+                </a:solidFill>
+              </a:rPr>
+              <a:t>中的</a:t>
+            </a:r>
+            <a:r>
+              <a:rPr kumimoji="1" lang="en-US" altLang="zh-CN" dirty="0">
+                <a:solidFill>
+                  <a:srgbClr val="C00000"/>
+                </a:solidFill>
+              </a:rPr>
+              <a:t>Thread</a:t>
+            </a:r>
+            <a:r>
+              <a:rPr kumimoji="1" lang="zh-CN" altLang="en-US" dirty="0">
+                <a:solidFill>
+                  <a:srgbClr val="C00000"/>
+                </a:solidFill>
+              </a:rPr>
+              <a:t>、在实例化的时候传入</a:t>
+            </a:r>
+            <a:r>
+              <a:rPr kumimoji="1" lang="en-US" altLang="zh-CN" dirty="0" err="1">
+                <a:solidFill>
+                  <a:srgbClr val="C00000"/>
+                </a:solidFill>
+              </a:rPr>
+              <a:t>Runable</a:t>
+            </a:r>
+            <a:r>
+              <a:rPr kumimoji="1" lang="zh-CN" altLang="en-US" dirty="0">
+                <a:solidFill>
+                  <a:srgbClr val="C00000"/>
+                </a:solidFill>
+              </a:rPr>
+              <a:t>实例，在</a:t>
+            </a:r>
+            <a:r>
+              <a:rPr kumimoji="1" lang="en-US" altLang="zh-CN" dirty="0">
+                <a:solidFill>
+                  <a:srgbClr val="C00000"/>
+                </a:solidFill>
+              </a:rPr>
+              <a:t>Thread</a:t>
+            </a:r>
+            <a:r>
+              <a:rPr kumimoji="1" lang="zh-CN" altLang="en-US" dirty="0">
+                <a:solidFill>
+                  <a:srgbClr val="C00000"/>
+                </a:solidFill>
+              </a:rPr>
+              <a:t>执行</a:t>
+            </a:r>
+            <a:r>
+              <a:rPr kumimoji="1" lang="en-US" altLang="zh-CN" dirty="0">
+                <a:solidFill>
+                  <a:srgbClr val="C00000"/>
+                </a:solidFill>
+              </a:rPr>
+              <a:t>start</a:t>
+            </a:r>
+            <a:r>
+              <a:rPr kumimoji="1" lang="zh-CN" altLang="en-US" dirty="0">
+                <a:solidFill>
+                  <a:srgbClr val="C00000"/>
+                </a:solidFill>
+              </a:rPr>
+              <a:t>后，</a:t>
+            </a:r>
+            <a:r>
+              <a:rPr kumimoji="1" lang="en-US" altLang="zh-CN" dirty="0" err="1">
+                <a:solidFill>
+                  <a:srgbClr val="C00000"/>
+                </a:solidFill>
+              </a:rPr>
+              <a:t>Runable</a:t>
+            </a:r>
+            <a:r>
+              <a:rPr kumimoji="1" lang="zh-CN" altLang="en-US" dirty="0">
+                <a:solidFill>
+                  <a:srgbClr val="C00000"/>
+                </a:solidFill>
+              </a:rPr>
+              <a:t>的</a:t>
+            </a:r>
+            <a:r>
+              <a:rPr kumimoji="1" lang="en-US" altLang="zh-CN" dirty="0">
+                <a:solidFill>
+                  <a:srgbClr val="C00000"/>
+                </a:solidFill>
+              </a:rPr>
+              <a:t>run</a:t>
+            </a:r>
+            <a:r>
+              <a:rPr kumimoji="1" lang="zh-CN" altLang="en-US" dirty="0">
+                <a:solidFill>
+                  <a:srgbClr val="C00000"/>
+                </a:solidFill>
+              </a:rPr>
+              <a:t>方法运行</a:t>
+            </a:r>
           </a:p>
         </p:txBody>
       </p:sp>
